--- a/QRCode_poster.pptx
+++ b/QRCode_poster.pptx
@@ -3148,7 +3148,7 @@
         </p:nvSpPr>
         <p:spPr>
           <a:xfrm>
-            <a:off x="15132708" y="18429136"/>
+            <a:off x="15580589" y="18429136"/>
             <a:ext cx="13146811" cy="896173"/>
           </a:xfrm>
           <a:prstGeom prst="roundRect">
@@ -3448,7 +3448,7 @@
             <a:pPr algn="ctr"/>
             <a:r>
               <a:rPr lang="en-US" sz="8800" dirty="0" smtClean="0"/>
-              <a:t>QR Code Detection Algorithm using </a:t>
+              <a:t>QR Code Detection Algorithm Using </a:t>
             </a:r>
             <a:r>
               <a:rPr lang="en-US" sz="8800" dirty="0" err="1" smtClean="0"/>
@@ -3780,7 +3780,7 @@
         </p:blipFill>
         <p:spPr>
           <a:xfrm>
-            <a:off x="14428883" y="6629400"/>
+            <a:off x="14428883" y="6833192"/>
             <a:ext cx="14576233" cy="10769008"/>
           </a:xfrm>
           <a:prstGeom prst="rect">
@@ -3827,7 +3827,7 @@
         </p:nvSpPr>
         <p:spPr>
           <a:xfrm>
-            <a:off x="14047744" y="18356282"/>
+            <a:off x="14404295" y="18432482"/>
             <a:ext cx="16126691" cy="3970318"/>
           </a:xfrm>
           <a:prstGeom prst="rect">
